--- a/Ultrastar-File-Creator.pptx
+++ b/Ultrastar-File-Creator.pptx
@@ -12,8 +12,8 @@
     <p:sldId id="267" r:id="rId3"/>
     <p:sldId id="257" r:id="rId4"/>
     <p:sldId id="259" r:id="rId5"/>
-    <p:sldId id="260" r:id="rId6"/>
-    <p:sldId id="261" r:id="rId7"/>
+    <p:sldId id="261" r:id="rId6"/>
+    <p:sldId id="260" r:id="rId7"/>
     <p:sldId id="262" r:id="rId8"/>
     <p:sldId id="269" r:id="rId9"/>
     <p:sldId id="265" r:id="rId10"/>
@@ -221,7 +221,7 @@
           <a:p>
             <a:fld id="{146ECDA2-3519-42EB-95A0-803651BD529B}" type="datetimeFigureOut">
               <a:rPr lang="de-DE" smtClean="0"/>
-              <a:t>28.06.2016</a:t>
+              <a:t>29.06.2016</a:t>
             </a:fld>
             <a:endParaRPr lang="de-DE"/>
           </a:p>
@@ -1075,7 +1075,7 @@
           <a:p>
             <a:fld id="{81D0AF6F-AB45-493D-9083-D990219DFFC3}" type="datetime1">
               <a:rPr lang="de-DE" smtClean="0"/>
-              <a:t>28.06.2016</a:t>
+              <a:t>29.06.2016</a:t>
             </a:fld>
             <a:endParaRPr lang="en-US" dirty="0"/>
           </a:p>
@@ -1375,7 +1375,7 @@
           <a:p>
             <a:fld id="{8380BDFC-817B-44F6-8FE0-7E7ACC523B3F}" type="datetime1">
               <a:rPr lang="de-DE" smtClean="0"/>
-              <a:t>28.06.2016</a:t>
+              <a:t>29.06.2016</a:t>
             </a:fld>
             <a:endParaRPr lang="en-US" dirty="0"/>
           </a:p>
@@ -1629,7 +1629,7 @@
           <a:p>
             <a:fld id="{8380BDFC-817B-44F6-8FE0-7E7ACC523B3F}" type="datetime1">
               <a:rPr lang="de-DE" smtClean="0"/>
-              <a:t>28.06.2016</a:t>
+              <a:t>29.06.2016</a:t>
             </a:fld>
             <a:endParaRPr lang="en-US" dirty="0"/>
           </a:p>
@@ -2175,7 +2175,7 @@
           <a:p>
             <a:fld id="{8380BDFC-817B-44F6-8FE0-7E7ACC523B3F}" type="datetime1">
               <a:rPr lang="de-DE" smtClean="0"/>
-              <a:t>28.06.2016</a:t>
+              <a:t>29.06.2016</a:t>
             </a:fld>
             <a:endParaRPr lang="en-US" dirty="0"/>
           </a:p>
@@ -2429,7 +2429,7 @@
           <a:p>
             <a:fld id="{8380BDFC-817B-44F6-8FE0-7E7ACC523B3F}" type="datetime1">
               <a:rPr lang="de-DE" smtClean="0"/>
-              <a:t>28.06.2016</a:t>
+              <a:t>29.06.2016</a:t>
             </a:fld>
             <a:endParaRPr lang="en-US" dirty="0"/>
           </a:p>
@@ -2967,7 +2967,7 @@
           <a:p>
             <a:fld id="{8380BDFC-817B-44F6-8FE0-7E7ACC523B3F}" type="datetime1">
               <a:rPr lang="de-DE" smtClean="0"/>
-              <a:t>28.06.2016</a:t>
+              <a:t>29.06.2016</a:t>
             </a:fld>
             <a:endParaRPr lang="en-US" dirty="0"/>
           </a:p>
@@ -3270,7 +3270,7 @@
           <a:p>
             <a:fld id="{8380BDFC-817B-44F6-8FE0-7E7ACC523B3F}" type="datetime1">
               <a:rPr lang="de-DE" smtClean="0"/>
-              <a:t>28.06.2016</a:t>
+              <a:t>29.06.2016</a:t>
             </a:fld>
             <a:endParaRPr lang="en-US" dirty="0"/>
           </a:p>
@@ -3450,7 +3450,7 @@
           <a:p>
             <a:fld id="{9DA77BE0-FC4C-481E-A06B-BABCD2B288DB}" type="datetime1">
               <a:rPr lang="de-DE" smtClean="0"/>
-              <a:t>28.06.2016</a:t>
+              <a:t>29.06.2016</a:t>
             </a:fld>
             <a:endParaRPr lang="en-US" dirty="0"/>
           </a:p>
@@ -3634,7 +3634,7 @@
           <a:p>
             <a:fld id="{1357D2A9-BE0C-42A4-A69B-BDB181CB2012}" type="datetime1">
               <a:rPr lang="de-DE" smtClean="0"/>
-              <a:t>28.06.2016</a:t>
+              <a:t>29.06.2016</a:t>
             </a:fld>
             <a:endParaRPr lang="en-US" dirty="0"/>
           </a:p>
@@ -3808,7 +3808,7 @@
           <a:p>
             <a:fld id="{688ED1A8-B709-4B3C-A4D5-776F74DFE183}" type="datetime1">
               <a:rPr lang="de-DE" smtClean="0"/>
-              <a:t>28.06.2016</a:t>
+              <a:t>29.06.2016</a:t>
             </a:fld>
             <a:endParaRPr lang="en-US" dirty="0"/>
           </a:p>
@@ -4063,7 +4063,7 @@
           <a:p>
             <a:fld id="{216C2114-E542-4BF0-A4B6-C5A9CFD23086}" type="datetime1">
               <a:rPr lang="de-DE" smtClean="0"/>
-              <a:t>28.06.2016</a:t>
+              <a:t>29.06.2016</a:t>
             </a:fld>
             <a:endParaRPr lang="en-US" dirty="0"/>
           </a:p>
@@ -4364,7 +4364,7 @@
           <a:p>
             <a:fld id="{A093D24E-1847-4D95-A55A-63ED6B29EBC4}" type="datetime1">
               <a:rPr lang="de-DE" smtClean="0"/>
-              <a:t>28.06.2016</a:t>
+              <a:t>29.06.2016</a:t>
             </a:fld>
             <a:endParaRPr lang="en-US" dirty="0"/>
           </a:p>
@@ -4810,7 +4810,7 @@
           <a:p>
             <a:fld id="{66807AD3-FA0A-42F8-8521-1089FB46F1DB}" type="datetime1">
               <a:rPr lang="de-DE" smtClean="0"/>
-              <a:t>28.06.2016</a:t>
+              <a:t>29.06.2016</a:t>
             </a:fld>
             <a:endParaRPr lang="en-US" dirty="0"/>
           </a:p>
@@ -4932,7 +4932,7 @@
           <a:p>
             <a:fld id="{5DF2BA09-E2C5-4686-BC7B-7F259309C2C7}" type="datetime1">
               <a:rPr lang="de-DE" smtClean="0"/>
-              <a:t>28.06.2016</a:t>
+              <a:t>29.06.2016</a:t>
             </a:fld>
             <a:endParaRPr lang="en-US" dirty="0"/>
           </a:p>
@@ -5031,7 +5031,7 @@
           <a:p>
             <a:fld id="{FEDF6867-A9A3-407B-BB86-C5CAFEF5012D}" type="datetime1">
               <a:rPr lang="de-DE" smtClean="0"/>
-              <a:t>28.06.2016</a:t>
+              <a:t>29.06.2016</a:t>
             </a:fld>
             <a:endParaRPr lang="en-US" dirty="0"/>
           </a:p>
@@ -5319,7 +5319,7 @@
           <a:p>
             <a:fld id="{4B83CA31-8A01-4DFE-97CD-395F50F23E43}" type="datetime1">
               <a:rPr lang="de-DE" smtClean="0"/>
-              <a:t>28.06.2016</a:t>
+              <a:t>29.06.2016</a:t>
             </a:fld>
             <a:endParaRPr lang="en-US" dirty="0"/>
           </a:p>
@@ -5615,7 +5615,7 @@
           <a:p>
             <a:fld id="{59C2BD51-7B9B-4E48-B61B-D921E2725159}" type="datetime1">
               <a:rPr lang="de-DE" smtClean="0"/>
-              <a:t>28.06.2016</a:t>
+              <a:t>29.06.2016</a:t>
             </a:fld>
             <a:endParaRPr lang="en-US" dirty="0"/>
           </a:p>
@@ -6149,7 +6149,7 @@
           <a:p>
             <a:fld id="{8380BDFC-817B-44F6-8FE0-7E7ACC523B3F}" type="datetime1">
               <a:rPr lang="de-DE" smtClean="0"/>
-              <a:t>28.06.2016</a:t>
+              <a:t>29.06.2016</a:t>
             </a:fld>
             <a:endParaRPr lang="en-US" dirty="0"/>
           </a:p>
@@ -6830,7 +6830,7 @@
           <a:p>
             <a:fld id="{73201958-C720-4240-9E41-E28C4C8ECC87}" type="datetime1">
               <a:rPr lang="de-DE" smtClean="0"/>
-              <a:t>28.06.2016</a:t>
+              <a:t>29.06.2016</a:t>
             </a:fld>
             <a:endParaRPr lang="en-US" dirty="0"/>
           </a:p>
@@ -7051,7 +7051,7 @@
           <a:p>
             <a:fld id="{688ED1A8-B709-4B3C-A4D5-776F74DFE183}" type="datetime1">
               <a:rPr lang="de-DE" smtClean="0"/>
-              <a:t>28.06.2016</a:t>
+              <a:t>29.06.2016</a:t>
             </a:fld>
             <a:endParaRPr lang="en-US" dirty="0"/>
           </a:p>
@@ -7317,7 +7317,7 @@
           <a:p>
             <a:fld id="{688ED1A8-B709-4B3C-A4D5-776F74DFE183}" type="datetime1">
               <a:rPr lang="de-DE" smtClean="0"/>
-              <a:t>28.06.2016</a:t>
+              <a:t>29.06.2016</a:t>
             </a:fld>
             <a:endParaRPr lang="en-US" dirty="0"/>
           </a:p>
@@ -7484,30 +7484,40 @@
           <a:p>
             <a:r>
               <a:rPr lang="de-DE" dirty="0" smtClean="0"/>
-              <a:t>Anmerkung 1</a:t>
-            </a:r>
-          </a:p>
-          <a:p>
+              <a:t>Muss implementiert werden</a:t>
+            </a:r>
+            <a:endParaRPr lang="de-DE" dirty="0" smtClean="0"/>
+          </a:p>
+          <a:p>
+            <a:pPr marL="285750" indent="-285750">
+              <a:buFont typeface="Arial" panose="020B0604020202020204" pitchFamily="34" charset="0"/>
+              <a:buChar char="•"/>
+            </a:pPr>
             <a:r>
               <a:rPr lang="de-DE" sz="1600" dirty="0"/>
-              <a:t>	Zum Start oder zum Ende springen </a:t>
+              <a:t>	</a:t>
             </a:r>
             <a:r>
               <a:rPr lang="de-DE" sz="1600" dirty="0" smtClean="0"/>
-              <a:t>	für </a:t>
-            </a:r>
+              <a:t>Funktion zum löschen</a:t>
+            </a:r>
+          </a:p>
+          <a:p>
+            <a:pPr marL="285750" indent="-285750">
+              <a:buFont typeface="Arial" panose="020B0604020202020204" pitchFamily="34" charset="0"/>
+              <a:buChar char="•"/>
+            </a:pPr>
+            <a:r>
+              <a:rPr lang="de-DE" sz="1600" dirty="0" smtClean="0"/>
+              <a:t>Timeline </a:t>
+            </a:r>
+          </a:p>
+          <a:p>
             <a:r>
               <a:rPr lang="de-DE" sz="1600" dirty="0"/>
-              <a:t>mich nicht notwendig. Möglichkeit </a:t>
-            </a:r>
-            <a:r>
-              <a:rPr lang="de-DE" sz="1600" dirty="0" smtClean="0"/>
-              <a:t>	zum </a:t>
-            </a:r>
-            <a:r>
-              <a:rPr lang="de-DE" sz="1600" dirty="0"/>
-              <a:t>Löschen wäre sinnvoll.</a:t>
-            </a:r>
+              <a:t>	</a:t>
+            </a:r>
+            <a:endParaRPr lang="de-DE" sz="1600" dirty="0"/>
           </a:p>
         </p:txBody>
       </p:sp>
@@ -7520,6 +7530,47 @@
         <p:spPr>
           <a:xfrm>
             <a:off x="7932911" y="2865871"/>
+            <a:ext cx="3845607" cy="615553"/>
+          </a:xfrm>
+          <a:prstGeom prst="rect">
+            <a:avLst/>
+          </a:prstGeom>
+          <a:noFill/>
+        </p:spPr>
+        <p:txBody>
+          <a:bodyPr wrap="square" rtlCol="0">
+            <a:spAutoFit/>
+          </a:bodyPr>
+          <a:lstStyle/>
+          <a:p>
+            <a:r>
+              <a:rPr lang="de-DE" dirty="0" smtClean="0"/>
+              <a:t>Kann implementiert werden</a:t>
+            </a:r>
+            <a:endParaRPr lang="de-DE" dirty="0" smtClean="0"/>
+          </a:p>
+          <a:p>
+            <a:pPr marL="285750" indent="-285750">
+              <a:buFont typeface="Arial" panose="020B0604020202020204" pitchFamily="34" charset="0"/>
+              <a:buChar char="•"/>
+            </a:pPr>
+            <a:r>
+              <a:rPr lang="de-DE" sz="1600" dirty="0" smtClean="0"/>
+              <a:t>Anzeige der Tonhöhe </a:t>
+            </a:r>
+            <a:endParaRPr lang="de-DE" sz="1600" dirty="0"/>
+          </a:p>
+        </p:txBody>
+      </p:sp>
+      <p:sp>
+        <p:nvSpPr>
+          <p:cNvPr id="13" name="Textfeld 12"/>
+          <p:cNvSpPr txBox="1"/>
+          <p:nvPr/>
+        </p:nvSpPr>
+        <p:spPr>
+          <a:xfrm>
+            <a:off x="7932912" y="4157819"/>
             <a:ext cx="3845607" cy="861774"/>
           </a:xfrm>
           <a:prstGeom prst="rect">
@@ -7535,81 +7586,26 @@
           <a:p>
             <a:r>
               <a:rPr lang="de-DE" dirty="0" smtClean="0"/>
-              <a:t>Anmerkung 2</a:t>
-            </a:r>
-          </a:p>
-          <a:p>
-            <a:r>
-              <a:rPr lang="de-DE" sz="1600" dirty="0"/>
-              <a:t>	Timeline fehlt. Zu winzige Pfeiltasten </a:t>
-            </a:r>
+              <a:t>Kann entfernt werden</a:t>
+            </a:r>
+            <a:endParaRPr lang="de-DE" dirty="0" smtClean="0"/>
+          </a:p>
+          <a:p>
+            <a:pPr marL="285750" indent="-285750">
+              <a:buFont typeface="Arial" panose="020B0604020202020204" pitchFamily="34" charset="0"/>
+              <a:buChar char="•"/>
+            </a:pPr>
             <a:r>
               <a:rPr lang="de-DE" sz="1600" dirty="0" smtClean="0"/>
-              <a:t>	bei </a:t>
-            </a:r>
-            <a:r>
-              <a:rPr lang="de-DE" sz="1600" dirty="0"/>
-              <a:t>den Eingabefeldern. </a:t>
-            </a:r>
-          </a:p>
-        </p:txBody>
-      </p:sp>
-      <p:sp>
-        <p:nvSpPr>
-          <p:cNvPr id="13" name="Textfeld 12"/>
-          <p:cNvSpPr txBox="1"/>
-          <p:nvPr/>
-        </p:nvSpPr>
-        <p:spPr>
-          <a:xfrm>
-            <a:off x="7932912" y="4157819"/>
-            <a:ext cx="3845607" cy="1354217"/>
-          </a:xfrm>
-          <a:prstGeom prst="rect">
-            <a:avLst/>
-          </a:prstGeom>
-          <a:noFill/>
-        </p:spPr>
-        <p:txBody>
-          <a:bodyPr wrap="square" rtlCol="0">
-            <a:spAutoFit/>
-          </a:bodyPr>
-          <a:lstStyle/>
-          <a:p>
-            <a:r>
-              <a:rPr lang="de-DE" dirty="0" smtClean="0"/>
-              <a:t>Anmerkung 2</a:t>
-            </a:r>
-          </a:p>
-          <a:p>
-            <a:r>
-              <a:rPr lang="de-DE" sz="1600" dirty="0"/>
-              <a:t>	Eine Löschfunktion für Wortblöcke </a:t>
-            </a:r>
-            <a:r>
-              <a:rPr lang="de-DE" sz="1600" dirty="0" smtClean="0"/>
-              <a:t>	habe </a:t>
-            </a:r>
-            <a:r>
-              <a:rPr lang="de-DE" sz="1600" dirty="0"/>
-              <a:t>ich vermiss. Anzeige welche </a:t>
-            </a:r>
-            <a:r>
-              <a:rPr lang="de-DE" sz="1600" dirty="0" smtClean="0"/>
-              <a:t>	Tonlage </a:t>
-            </a:r>
-            <a:r>
-              <a:rPr lang="de-DE" sz="1600" dirty="0"/>
-              <a:t>ein Ton ungefähr haben muss </a:t>
-            </a:r>
-            <a:r>
-              <a:rPr lang="de-DE" sz="1600" dirty="0" smtClean="0"/>
-              <a:t>	wäre </a:t>
-            </a:r>
-            <a:r>
-              <a:rPr lang="de-DE" sz="1600" dirty="0"/>
-              <a:t>hilfreich. </a:t>
-            </a:r>
+              <a:t>Start / Ende Sprung</a:t>
+            </a:r>
+          </a:p>
+          <a:p>
+            <a:pPr marL="285750" indent="-285750">
+              <a:buFont typeface="Arial" panose="020B0604020202020204" pitchFamily="34" charset="0"/>
+              <a:buChar char="•"/>
+            </a:pPr>
+            <a:endParaRPr lang="de-DE" sz="1600" dirty="0"/>
           </a:p>
         </p:txBody>
       </p:sp>
@@ -7683,16 +7679,48 @@
             <p:ph idx="1"/>
           </p:nvPr>
         </p:nvSpPr>
-        <p:spPr/>
+        <p:spPr>
+          <a:xfrm>
+            <a:off x="1484310" y="2196980"/>
+            <a:ext cx="10018713" cy="3124201"/>
+          </a:xfrm>
+        </p:spPr>
         <p:txBody>
           <a:bodyPr/>
           <a:lstStyle/>
           <a:p>
             <a:r>
               <a:rPr lang="de-DE" dirty="0" smtClean="0"/>
-              <a:t>Welche Weiterentwicklungen sind möglich?</a:t>
-            </a:r>
-            <a:endParaRPr lang="de-DE" dirty="0"/>
+              <a:t>Löschen Button ist nun im Prototyp vorhanden</a:t>
+            </a:r>
+          </a:p>
+          <a:p>
+            <a:r>
+              <a:rPr lang="de-DE" dirty="0" smtClean="0"/>
+              <a:t>Sprache, Font und Farbe implementieren</a:t>
+            </a:r>
+          </a:p>
+          <a:p>
+            <a:r>
+              <a:rPr lang="de-DE" dirty="0" smtClean="0"/>
+              <a:t>Multiselektion der Wortblöcke</a:t>
+            </a:r>
+          </a:p>
+          <a:p>
+            <a:r>
+              <a:rPr lang="de-DE" dirty="0" smtClean="0"/>
+              <a:t>Audioausgabe des Projektes</a:t>
+            </a:r>
+          </a:p>
+          <a:p>
+            <a:r>
+              <a:rPr lang="de-DE" dirty="0"/>
+              <a:t> </a:t>
+            </a:r>
+            <a:r>
+              <a:rPr lang="de-DE" dirty="0" smtClean="0"/>
+              <a:t>Ultrastarfile-Preview</a:t>
+            </a:r>
           </a:p>
         </p:txBody>
       </p:sp>
@@ -7713,7 +7741,7 @@
           <a:p>
             <a:fld id="{688ED1A8-B709-4B3C-A4D5-776F74DFE183}" type="datetime1">
               <a:rPr lang="de-DE" smtClean="0"/>
-              <a:t>28.06.2016</a:t>
+              <a:t>29.06.2016</a:t>
             </a:fld>
             <a:endParaRPr lang="en-US" dirty="0"/>
           </a:p>
@@ -7906,7 +7934,7 @@
           <a:p>
             <a:fld id="{81D0AF6F-AB45-493D-9083-D990219DFFC3}" type="datetime1">
               <a:rPr lang="de-DE" smtClean="0"/>
-              <a:t>28.06.2016</a:t>
+              <a:t>29.06.2016</a:t>
             </a:fld>
             <a:endParaRPr lang="en-US" dirty="0"/>
           </a:p>
@@ -8070,7 +8098,7 @@
           <a:p>
             <a:fld id="{688ED1A8-B709-4B3C-A4D5-776F74DFE183}" type="datetime1">
               <a:rPr lang="de-DE" smtClean="0"/>
-              <a:t>28.06.2016</a:t>
+              <a:t>29.06.2016</a:t>
             </a:fld>
             <a:endParaRPr lang="en-US" dirty="0"/>
           </a:p>
@@ -8866,7 +8894,7 @@
           <a:p>
             <a:fld id="{A12AEAD0-2017-43FD-8B93-521E2B0C93B4}" type="datetime1">
               <a:rPr lang="de-DE" smtClean="0"/>
-              <a:t>28.06.2016</a:t>
+              <a:t>29.06.2016</a:t>
             </a:fld>
             <a:endParaRPr lang="en-US" dirty="0"/>
           </a:p>
@@ -9096,7 +9124,7 @@
           <a:p>
             <a:fld id="{688ED1A8-B709-4B3C-A4D5-776F74DFE183}" type="datetime1">
               <a:rPr lang="de-DE" smtClean="0"/>
-              <a:t>28.06.2016</a:t>
+              <a:t>29.06.2016</a:t>
             </a:fld>
             <a:endParaRPr lang="en-US" dirty="0"/>
           </a:p>
@@ -10018,6 +10046,225 @@
           <a:chExt cx="0" cy="0"/>
         </a:xfrm>
       </p:grpSpPr>
+      <p:sp>
+        <p:nvSpPr>
+          <p:cNvPr id="2" name="Titel 1"/>
+          <p:cNvSpPr>
+            <a:spLocks noGrp="1"/>
+          </p:cNvSpPr>
+          <p:nvPr>
+            <p:ph type="title"/>
+          </p:nvPr>
+        </p:nvSpPr>
+        <p:spPr/>
+        <p:txBody>
+          <a:bodyPr/>
+          <a:lstStyle/>
+          <a:p>
+            <a:r>
+              <a:rPr lang="de-DE" dirty="0" smtClean="0"/>
+              <a:t>Papierprototyp</a:t>
+            </a:r>
+            <a:endParaRPr lang="de-DE" dirty="0"/>
+          </a:p>
+        </p:txBody>
+      </p:sp>
+      <p:sp>
+        <p:nvSpPr>
+          <p:cNvPr id="3" name="Inhaltsplatzhalter 2"/>
+          <p:cNvSpPr>
+            <a:spLocks noGrp="1"/>
+          </p:cNvSpPr>
+          <p:nvPr>
+            <p:ph idx="1"/>
+          </p:nvPr>
+        </p:nvSpPr>
+        <p:spPr>
+          <a:xfrm>
+            <a:off x="1484311" y="2759074"/>
+            <a:ext cx="10018713" cy="3124201"/>
+          </a:xfrm>
+        </p:spPr>
+        <p:txBody>
+          <a:bodyPr/>
+          <a:lstStyle/>
+          <a:p>
+            <a:r>
+              <a:rPr lang="de-DE" dirty="0" smtClean="0"/>
+              <a:t>Bilder</a:t>
+            </a:r>
+            <a:endParaRPr lang="de-DE" dirty="0"/>
+          </a:p>
+        </p:txBody>
+      </p:sp>
+      <p:sp>
+        <p:nvSpPr>
+          <p:cNvPr id="4" name="Datumsplatzhalter 3"/>
+          <p:cNvSpPr>
+            <a:spLocks noGrp="1"/>
+          </p:cNvSpPr>
+          <p:nvPr>
+            <p:ph type="dt" sz="half" idx="10"/>
+          </p:nvPr>
+        </p:nvSpPr>
+        <p:spPr/>
+        <p:txBody>
+          <a:bodyPr/>
+          <a:lstStyle/>
+          <a:p>
+            <a:fld id="{688ED1A8-B709-4B3C-A4D5-776F74DFE183}" type="datetime1">
+              <a:rPr lang="de-DE" smtClean="0"/>
+              <a:t>29.06.2016</a:t>
+            </a:fld>
+            <a:endParaRPr lang="en-US" dirty="0"/>
+          </a:p>
+        </p:txBody>
+      </p:sp>
+      <p:sp>
+        <p:nvSpPr>
+          <p:cNvPr id="5" name="Fußzeilenplatzhalter 4"/>
+          <p:cNvSpPr>
+            <a:spLocks noGrp="1"/>
+          </p:cNvSpPr>
+          <p:nvPr>
+            <p:ph type="ftr" sz="quarter" idx="11"/>
+          </p:nvPr>
+        </p:nvSpPr>
+        <p:spPr/>
+        <p:txBody>
+          <a:bodyPr/>
+          <a:lstStyle/>
+          <a:p>
+            <a:r>
+              <a:rPr lang="en-US" dirty="0" err="1"/>
+              <a:t>Entwickler</a:t>
+            </a:r>
+            <a:r>
+              <a:rPr lang="en-US" dirty="0"/>
+              <a:t>: Sebastian </a:t>
+            </a:r>
+            <a:r>
+              <a:rPr lang="en-US" dirty="0" err="1"/>
+              <a:t>Mischke</a:t>
+            </a:r>
+            <a:r>
+              <a:rPr lang="en-US" dirty="0"/>
+              <a:t>, </a:t>
+            </a:r>
+            <a:r>
+              <a:rPr lang="en-US" dirty="0" err="1"/>
+              <a:t>Konzeptor</a:t>
+            </a:r>
+            <a:r>
+              <a:rPr lang="en-US" dirty="0"/>
+              <a:t>: Mathias </a:t>
+            </a:r>
+            <a:r>
+              <a:rPr lang="en-US" dirty="0" err="1"/>
+              <a:t>Gewissen</a:t>
+            </a:r>
+            <a:endParaRPr lang="en-US" dirty="0"/>
+          </a:p>
+        </p:txBody>
+      </p:sp>
+      <p:sp>
+        <p:nvSpPr>
+          <p:cNvPr id="6" name="Foliennummernplatzhalter 5"/>
+          <p:cNvSpPr>
+            <a:spLocks noGrp="1"/>
+          </p:cNvSpPr>
+          <p:nvPr>
+            <p:ph type="sldNum" sz="quarter" idx="12"/>
+          </p:nvPr>
+        </p:nvSpPr>
+        <p:spPr/>
+        <p:txBody>
+          <a:bodyPr/>
+          <a:lstStyle/>
+          <a:p>
+            <a:fld id="{629637A9-119A-49DA-BD12-AAC58B377D80}" type="slidenum">
+              <a:rPr lang="en-US" smtClean="0"/>
+              <a:t>5</a:t>
+            </a:fld>
+            <a:endParaRPr lang="en-US" dirty="0"/>
+          </a:p>
+        </p:txBody>
+      </p:sp>
+      <p:sp>
+        <p:nvSpPr>
+          <p:cNvPr id="7" name="Textfeld 6"/>
+          <p:cNvSpPr txBox="1"/>
+          <p:nvPr/>
+        </p:nvSpPr>
+        <p:spPr>
+          <a:xfrm rot="16780893">
+            <a:off x="-981437" y="3244704"/>
+            <a:ext cx="3725490" cy="369332"/>
+          </a:xfrm>
+          <a:prstGeom prst="rect">
+            <a:avLst/>
+          </a:prstGeom>
+          <a:noFill/>
+        </p:spPr>
+        <p:txBody>
+          <a:bodyPr wrap="square" rtlCol="0">
+            <a:spAutoFit/>
+          </a:bodyPr>
+          <a:lstStyle/>
+          <a:p>
+            <a:r>
+              <a:rPr lang="de-DE" dirty="0" smtClean="0">
+                <a:solidFill>
+                  <a:schemeClr val="bg1"/>
+                </a:solidFill>
+              </a:rPr>
+              <a:t>Umsetzung - Gestaltung</a:t>
+            </a:r>
+            <a:endParaRPr lang="de-DE" dirty="0">
+              <a:solidFill>
+                <a:schemeClr val="bg1"/>
+              </a:solidFill>
+            </a:endParaRPr>
+          </a:p>
+        </p:txBody>
+      </p:sp>
+    </p:spTree>
+    <p:extLst>
+      <p:ext uri="{BB962C8B-B14F-4D97-AF65-F5344CB8AC3E}">
+        <p14:creationId xmlns:p14="http://schemas.microsoft.com/office/powerpoint/2010/main" val="3104600759"/>
+      </p:ext>
+    </p:extLst>
+  </p:cSld>
+  <p:clrMapOvr>
+    <a:masterClrMapping/>
+  </p:clrMapOvr>
+  <p:timing>
+    <p:tnLst>
+      <p:par>
+        <p:cTn id="1" dur="indefinite" restart="never" nodeType="tmRoot"/>
+      </p:par>
+    </p:tnLst>
+  </p:timing>
+</p:sld>
+</file>
+
+<file path=ppt/slides/slide6.xml><?xml version="1.0" encoding="utf-8"?>
+<p:sld xmlns:a="http://schemas.openxmlformats.org/drawingml/2006/main" xmlns:r="http://schemas.openxmlformats.org/officeDocument/2006/relationships" xmlns:p="http://schemas.openxmlformats.org/presentationml/2006/main">
+  <p:cSld>
+    <p:spTree>
+      <p:nvGrpSpPr>
+        <p:cNvPr id="1" name=""/>
+        <p:cNvGrpSpPr/>
+        <p:nvPr/>
+      </p:nvGrpSpPr>
+      <p:grpSpPr>
+        <a:xfrm>
+          <a:off x="0" y="0"/>
+          <a:ext cx="0" cy="0"/>
+          <a:chOff x="0" y="0"/>
+          <a:chExt cx="0" cy="0"/>
+        </a:xfrm>
+      </p:grpSpPr>
       <p:pic>
         <p:nvPicPr>
           <p:cNvPr id="10" name="Inhaltsplatzhalter 9"/>
@@ -10128,8 +10375,12 @@
           <a:lstStyle/>
           <a:p>
             <a:r>
+              <a:rPr lang="de-DE" dirty="0"/>
+              <a:t>Interaktiver </a:t>
+            </a:r>
+            <a:r>
               <a:rPr lang="de-DE" dirty="0" smtClean="0"/>
-              <a:t>Erster Papierprototyp</a:t>
+              <a:t>Prototyp</a:t>
             </a:r>
             <a:endParaRPr lang="de-DE" dirty="0"/>
           </a:p>
@@ -10152,7 +10403,7 @@
           <a:p>
             <a:fld id="{688ED1A8-B709-4B3C-A4D5-776F74DFE183}" type="datetime1">
               <a:rPr lang="de-DE" smtClean="0"/>
-              <a:t>28.06.2016</a:t>
+              <a:t>29.06.2016</a:t>
             </a:fld>
             <a:endParaRPr lang="en-US" dirty="0"/>
           </a:p>
@@ -10222,7 +10473,7 @@
           <a:p>
             <a:fld id="{629637A9-119A-49DA-BD12-AAC58B377D80}" type="slidenum">
               <a:rPr lang="en-US" smtClean="0"/>
-              <a:t>5</a:t>
+              <a:t>6</a:t>
             </a:fld>
             <a:endParaRPr lang="en-US" dirty="0"/>
           </a:p>
@@ -11478,225 +11729,6 @@
 </p:sld>
 </file>
 
-<file path=ppt/slides/slide6.xml><?xml version="1.0" encoding="utf-8"?>
-<p:sld xmlns:a="http://schemas.openxmlformats.org/drawingml/2006/main" xmlns:r="http://schemas.openxmlformats.org/officeDocument/2006/relationships" xmlns:p="http://schemas.openxmlformats.org/presentationml/2006/main">
-  <p:cSld>
-    <p:spTree>
-      <p:nvGrpSpPr>
-        <p:cNvPr id="1" name=""/>
-        <p:cNvGrpSpPr/>
-        <p:nvPr/>
-      </p:nvGrpSpPr>
-      <p:grpSpPr>
-        <a:xfrm>
-          <a:off x="0" y="0"/>
-          <a:ext cx="0" cy="0"/>
-          <a:chOff x="0" y="0"/>
-          <a:chExt cx="0" cy="0"/>
-        </a:xfrm>
-      </p:grpSpPr>
-      <p:sp>
-        <p:nvSpPr>
-          <p:cNvPr id="2" name="Titel 1"/>
-          <p:cNvSpPr>
-            <a:spLocks noGrp="1"/>
-          </p:cNvSpPr>
-          <p:nvPr>
-            <p:ph type="title"/>
-          </p:nvPr>
-        </p:nvSpPr>
-        <p:spPr/>
-        <p:txBody>
-          <a:bodyPr/>
-          <a:lstStyle/>
-          <a:p>
-            <a:r>
-              <a:rPr lang="de-DE" dirty="0" smtClean="0"/>
-              <a:t>Interaktiver Prototyp/Klick-Dummy</a:t>
-            </a:r>
-            <a:endParaRPr lang="de-DE" dirty="0"/>
-          </a:p>
-        </p:txBody>
-      </p:sp>
-      <p:sp>
-        <p:nvSpPr>
-          <p:cNvPr id="3" name="Inhaltsplatzhalter 2"/>
-          <p:cNvSpPr>
-            <a:spLocks noGrp="1"/>
-          </p:cNvSpPr>
-          <p:nvPr>
-            <p:ph idx="1"/>
-          </p:nvPr>
-        </p:nvSpPr>
-        <p:spPr>
-          <a:xfrm>
-            <a:off x="1484311" y="2759074"/>
-            <a:ext cx="10018713" cy="3124201"/>
-          </a:xfrm>
-        </p:spPr>
-        <p:txBody>
-          <a:bodyPr/>
-          <a:lstStyle/>
-          <a:p>
-            <a:r>
-              <a:rPr lang="de-DE" dirty="0" smtClean="0"/>
-              <a:t>Klick-Dummy</a:t>
-            </a:r>
-            <a:endParaRPr lang="de-DE" dirty="0"/>
-          </a:p>
-        </p:txBody>
-      </p:sp>
-      <p:sp>
-        <p:nvSpPr>
-          <p:cNvPr id="4" name="Datumsplatzhalter 3"/>
-          <p:cNvSpPr>
-            <a:spLocks noGrp="1"/>
-          </p:cNvSpPr>
-          <p:nvPr>
-            <p:ph type="dt" sz="half" idx="10"/>
-          </p:nvPr>
-        </p:nvSpPr>
-        <p:spPr/>
-        <p:txBody>
-          <a:bodyPr/>
-          <a:lstStyle/>
-          <a:p>
-            <a:fld id="{688ED1A8-B709-4B3C-A4D5-776F74DFE183}" type="datetime1">
-              <a:rPr lang="de-DE" smtClean="0"/>
-              <a:t>28.06.2016</a:t>
-            </a:fld>
-            <a:endParaRPr lang="en-US" dirty="0"/>
-          </a:p>
-        </p:txBody>
-      </p:sp>
-      <p:sp>
-        <p:nvSpPr>
-          <p:cNvPr id="5" name="Fußzeilenplatzhalter 4"/>
-          <p:cNvSpPr>
-            <a:spLocks noGrp="1"/>
-          </p:cNvSpPr>
-          <p:nvPr>
-            <p:ph type="ftr" sz="quarter" idx="11"/>
-          </p:nvPr>
-        </p:nvSpPr>
-        <p:spPr/>
-        <p:txBody>
-          <a:bodyPr/>
-          <a:lstStyle/>
-          <a:p>
-            <a:r>
-              <a:rPr lang="en-US" dirty="0" err="1"/>
-              <a:t>Entwickler</a:t>
-            </a:r>
-            <a:r>
-              <a:rPr lang="en-US" dirty="0"/>
-              <a:t>: Sebastian </a:t>
-            </a:r>
-            <a:r>
-              <a:rPr lang="en-US" dirty="0" err="1"/>
-              <a:t>Mischke</a:t>
-            </a:r>
-            <a:r>
-              <a:rPr lang="en-US" dirty="0"/>
-              <a:t>, </a:t>
-            </a:r>
-            <a:r>
-              <a:rPr lang="en-US" dirty="0" err="1"/>
-              <a:t>Konzeptor</a:t>
-            </a:r>
-            <a:r>
-              <a:rPr lang="en-US" dirty="0"/>
-              <a:t>: Mathias </a:t>
-            </a:r>
-            <a:r>
-              <a:rPr lang="en-US" dirty="0" err="1"/>
-              <a:t>Gewissen</a:t>
-            </a:r>
-            <a:endParaRPr lang="en-US" dirty="0"/>
-          </a:p>
-        </p:txBody>
-      </p:sp>
-      <p:sp>
-        <p:nvSpPr>
-          <p:cNvPr id="6" name="Foliennummernplatzhalter 5"/>
-          <p:cNvSpPr>
-            <a:spLocks noGrp="1"/>
-          </p:cNvSpPr>
-          <p:nvPr>
-            <p:ph type="sldNum" sz="quarter" idx="12"/>
-          </p:nvPr>
-        </p:nvSpPr>
-        <p:spPr/>
-        <p:txBody>
-          <a:bodyPr/>
-          <a:lstStyle/>
-          <a:p>
-            <a:fld id="{629637A9-119A-49DA-BD12-AAC58B377D80}" type="slidenum">
-              <a:rPr lang="en-US" smtClean="0"/>
-              <a:t>6</a:t>
-            </a:fld>
-            <a:endParaRPr lang="en-US" dirty="0"/>
-          </a:p>
-        </p:txBody>
-      </p:sp>
-      <p:sp>
-        <p:nvSpPr>
-          <p:cNvPr id="7" name="Textfeld 6"/>
-          <p:cNvSpPr txBox="1"/>
-          <p:nvPr/>
-        </p:nvSpPr>
-        <p:spPr>
-          <a:xfrm rot="16780893">
-            <a:off x="-981437" y="3244704"/>
-            <a:ext cx="3725490" cy="369332"/>
-          </a:xfrm>
-          <a:prstGeom prst="rect">
-            <a:avLst/>
-          </a:prstGeom>
-          <a:noFill/>
-        </p:spPr>
-        <p:txBody>
-          <a:bodyPr wrap="square" rtlCol="0">
-            <a:spAutoFit/>
-          </a:bodyPr>
-          <a:lstStyle/>
-          <a:p>
-            <a:r>
-              <a:rPr lang="de-DE" dirty="0" smtClean="0">
-                <a:solidFill>
-                  <a:schemeClr val="bg1"/>
-                </a:solidFill>
-              </a:rPr>
-              <a:t>Umsetzung - Gestaltung</a:t>
-            </a:r>
-            <a:endParaRPr lang="de-DE" dirty="0">
-              <a:solidFill>
-                <a:schemeClr val="bg1"/>
-              </a:solidFill>
-            </a:endParaRPr>
-          </a:p>
-        </p:txBody>
-      </p:sp>
-    </p:spTree>
-    <p:extLst>
-      <p:ext uri="{BB962C8B-B14F-4D97-AF65-F5344CB8AC3E}">
-        <p14:creationId xmlns:p14="http://schemas.microsoft.com/office/powerpoint/2010/main" val="3104600759"/>
-      </p:ext>
-    </p:extLst>
-  </p:cSld>
-  <p:clrMapOvr>
-    <a:masterClrMapping/>
-  </p:clrMapOvr>
-  <p:timing>
-    <p:tnLst>
-      <p:par>
-        <p:cTn id="1" dur="indefinite" restart="never" nodeType="tmRoot"/>
-      </p:par>
-    </p:tnLst>
-  </p:timing>
-</p:sld>
-</file>
-
 <file path=ppt/slides/slide7.xml><?xml version="1.0" encoding="utf-8"?>
 <p:sld xmlns:a="http://schemas.openxmlformats.org/drawingml/2006/main" xmlns:r="http://schemas.openxmlformats.org/officeDocument/2006/relationships" xmlns:p="http://schemas.openxmlformats.org/presentationml/2006/main">
   <p:cSld>
@@ -11767,10 +11799,36 @@
             <a:pPr marL="0" indent="0">
               <a:buNone/>
             </a:pPr>
+            <a:endParaRPr lang="de-DE" sz="3200" dirty="0" smtClean="0"/>
+          </a:p>
+          <a:p>
+            <a:pPr marL="0" indent="0">
+              <a:buNone/>
+            </a:pPr>
             <a:r>
               <a:rPr lang="de-DE" sz="3200" dirty="0" smtClean="0"/>
               <a:t>Atom-Editor</a:t>
             </a:r>
+            <a:endParaRPr lang="de-DE" sz="3200" dirty="0" smtClean="0"/>
+          </a:p>
+          <a:p>
+            <a:pPr marL="0" indent="0">
+              <a:buNone/>
+            </a:pPr>
+            <a:endParaRPr lang="de-DE" sz="3200" dirty="0" smtClean="0"/>
+          </a:p>
+          <a:p>
+            <a:pPr marL="0" indent="0">
+              <a:buNone/>
+            </a:pPr>
+            <a:r>
+              <a:rPr lang="de-DE" sz="3200" dirty="0" err="1" smtClean="0"/>
+              <a:t>Framer</a:t>
+            </a:r>
+            <a:r>
+              <a:rPr lang="de-DE" sz="3200" dirty="0" smtClean="0"/>
+              <a:t>-Studio</a:t>
+            </a:r>
           </a:p>
           <a:p>
             <a:pPr marL="0" indent="0">
@@ -11783,7 +11841,7 @@
               <a:buNone/>
             </a:pPr>
             <a:r>
-              <a:rPr lang="de-DE" sz="3200" dirty="0" smtClean="0"/>
+              <a:rPr lang="de-DE" sz="3200" dirty="0"/>
               <a:t>Photoshop CS 6</a:t>
             </a:r>
           </a:p>
@@ -11791,20 +11849,7 @@
             <a:pPr marL="0" indent="0">
               <a:buNone/>
             </a:pPr>
-            <a:endParaRPr lang="de-DE" sz="3200" dirty="0" smtClean="0"/>
-          </a:p>
-          <a:p>
-            <a:pPr marL="0" indent="0">
-              <a:buNone/>
-            </a:pPr>
-            <a:r>
-              <a:rPr lang="de-DE" sz="3200" dirty="0" err="1"/>
-              <a:t>Framer</a:t>
-            </a:r>
-            <a:r>
-              <a:rPr lang="de-DE" sz="3200" dirty="0"/>
-              <a:t>-Studio</a:t>
-            </a:r>
+            <a:endParaRPr lang="de-DE" sz="3200" dirty="0"/>
           </a:p>
           <a:p>
             <a:pPr marL="0" indent="0">
@@ -11831,7 +11876,7 @@
           <a:p>
             <a:fld id="{688ED1A8-B709-4B3C-A4D5-776F74DFE183}" type="datetime1">
               <a:rPr lang="de-DE" smtClean="0"/>
-              <a:t>28.06.2016</a:t>
+              <a:t>29.06.2016</a:t>
             </a:fld>
             <a:endParaRPr lang="en-US" dirty="0"/>
           </a:p>
@@ -11929,7 +11974,7 @@
         </p:blipFill>
         <p:spPr>
           <a:xfrm>
-            <a:off x="8151764" y="1476821"/>
+            <a:off x="8151764" y="1497995"/>
             <a:ext cx="1047752" cy="1047752"/>
           </a:xfrm>
           <a:prstGeom prst="rect">
@@ -11959,7 +12004,7 @@
         </p:blipFill>
         <p:spPr>
           <a:xfrm>
-            <a:off x="8151764" y="2745474"/>
+            <a:off x="8151764" y="4065576"/>
             <a:ext cx="1125259" cy="1125259"/>
           </a:xfrm>
           <a:prstGeom prst="rect">
@@ -11989,7 +12034,7 @@
         </p:blipFill>
         <p:spPr>
           <a:xfrm>
-            <a:off x="7664765" y="3575006"/>
+            <a:off x="7613991" y="2264190"/>
             <a:ext cx="2099256" cy="2099256"/>
           </a:xfrm>
           <a:prstGeom prst="rect">
@@ -12082,7 +12127,12 @@
             <p:ph type="title"/>
           </p:nvPr>
         </p:nvSpPr>
-        <p:spPr/>
+        <p:spPr>
+          <a:xfrm>
+            <a:off x="1484310" y="0"/>
+            <a:ext cx="10018713" cy="1752599"/>
+          </a:xfrm>
+        </p:spPr>
         <p:txBody>
           <a:bodyPr/>
           <a:lstStyle/>
@@ -12105,12 +12155,17 @@
             <p:ph idx="1"/>
           </p:nvPr>
         </p:nvSpPr>
-        <p:spPr/>
+        <p:spPr>
+          <a:xfrm>
+            <a:off x="1484310" y="1880075"/>
+            <a:ext cx="10018713" cy="3911125"/>
+          </a:xfrm>
+        </p:spPr>
         <p:txBody>
           <a:bodyPr/>
           <a:lstStyle/>
           <a:p>
-            <a:endParaRPr lang="de-DE"/>
+            <a:endParaRPr lang="de-DE" dirty="0"/>
           </a:p>
         </p:txBody>
       </p:sp>
@@ -12131,7 +12186,7 @@
           <a:p>
             <a:fld id="{688ED1A8-B709-4B3C-A4D5-776F74DFE183}" type="datetime1">
               <a:rPr lang="de-DE" smtClean="0"/>
-              <a:t>28.06.2016</a:t>
+              <a:t>29.06.2016</a:t>
             </a:fld>
             <a:endParaRPr lang="en-US" dirty="0"/>
           </a:p>
@@ -12357,7 +12412,7 @@
           <a:p>
             <a:fld id="{688ED1A8-B709-4B3C-A4D5-776F74DFE183}" type="datetime1">
               <a:rPr lang="de-DE" smtClean="0"/>
-              <a:t>28.06.2016</a:t>
+              <a:t>29.06.2016</a:t>
             </a:fld>
             <a:endParaRPr lang="en-US" dirty="0"/>
           </a:p>
